--- a/现代软件工程最终(1).pptx
+++ b/现代软件工程最终(1).pptx
@@ -3624,6 +3624,102 @@
           </a:p>
         </p:txBody>
       </p:sp>
+      <p:pic>
+        <p:nvPicPr>
+          <p:cNvPr id="3" name="图片 2"/>
+          <p:cNvPicPr>
+            <a:picLocks noChangeAspect="1"/>
+          </p:cNvPicPr>
+          <p:nvPr/>
+        </p:nvPicPr>
+        <p:blipFill>
+          <a:blip r:embed="rId1"/>
+          <a:stretch>
+            <a:fillRect/>
+          </a:stretch>
+        </p:blipFill>
+        <p:spPr>
+          <a:xfrm>
+            <a:off x="409575" y="1203960"/>
+            <a:ext cx="6176010" cy="2173605"/>
+          </a:xfrm>
+          <a:prstGeom prst="rect">
+            <a:avLst/>
+          </a:prstGeom>
+        </p:spPr>
+      </p:pic>
+      <p:pic>
+        <p:nvPicPr>
+          <p:cNvPr id="5" name="图片 4"/>
+          <p:cNvPicPr>
+            <a:picLocks noChangeAspect="1"/>
+          </p:cNvPicPr>
+          <p:nvPr/>
+        </p:nvPicPr>
+        <p:blipFill>
+          <a:blip r:embed="rId2"/>
+          <a:stretch>
+            <a:fillRect/>
+          </a:stretch>
+        </p:blipFill>
+        <p:spPr>
+          <a:xfrm>
+            <a:off x="6585585" y="1129030"/>
+            <a:ext cx="5485765" cy="2324100"/>
+          </a:xfrm>
+          <a:prstGeom prst="rect">
+            <a:avLst/>
+          </a:prstGeom>
+        </p:spPr>
+      </p:pic>
+      <p:pic>
+        <p:nvPicPr>
+          <p:cNvPr id="6" name="图片 5"/>
+          <p:cNvPicPr>
+            <a:picLocks noChangeAspect="1"/>
+          </p:cNvPicPr>
+          <p:nvPr/>
+        </p:nvPicPr>
+        <p:blipFill>
+          <a:blip r:embed="rId3"/>
+          <a:stretch>
+            <a:fillRect/>
+          </a:stretch>
+        </p:blipFill>
+        <p:spPr>
+          <a:xfrm>
+            <a:off x="409575" y="3453130"/>
+            <a:ext cx="5927090" cy="2470150"/>
+          </a:xfrm>
+          <a:prstGeom prst="rect">
+            <a:avLst/>
+          </a:prstGeom>
+        </p:spPr>
+      </p:pic>
+      <p:pic>
+        <p:nvPicPr>
+          <p:cNvPr id="7" name="图片 6"/>
+          <p:cNvPicPr>
+            <a:picLocks noChangeAspect="1"/>
+          </p:cNvPicPr>
+          <p:nvPr/>
+        </p:nvPicPr>
+        <p:blipFill>
+          <a:blip r:embed="rId4"/>
+          <a:stretch>
+            <a:fillRect/>
+          </a:stretch>
+        </p:blipFill>
+        <p:spPr>
+          <a:xfrm>
+            <a:off x="6336665" y="3453130"/>
+            <a:ext cx="5495290" cy="2656840"/>
+          </a:xfrm>
+          <a:prstGeom prst="rect">
+            <a:avLst/>
+          </a:prstGeom>
+        </p:spPr>
+      </p:pic>
     </p:spTree>
   </p:cSld>
   <p:clrMapOvr>
@@ -3698,6 +3794,116 @@
               <a:rPr lang="zh-CN" altLang="en-US" smtClean="0"/>
             </a:fld>
             <a:endParaRPr lang="zh-CN" altLang="en-US" dirty="0"/>
+          </a:p>
+        </p:txBody>
+      </p:sp>
+      <p:sp>
+        <p:nvSpPr>
+          <p:cNvPr id="3" name="文本框 2"/>
+          <p:cNvSpPr txBox="1"/>
+          <p:nvPr/>
+        </p:nvSpPr>
+        <p:spPr>
+          <a:xfrm>
+            <a:off x="873760" y="1396365"/>
+            <a:ext cx="11206480" cy="2938145"/>
+          </a:xfrm>
+          <a:prstGeom prst="rect">
+            <a:avLst/>
+          </a:prstGeom>
+          <a:noFill/>
+        </p:spPr>
+        <p:txBody>
+          <a:bodyPr wrap="none" rtlCol="0">
+            <a:spAutoFit/>
+          </a:bodyPr>
+          <a:p>
+            <a:pPr algn="l"/>
+            <a:r>
+              <a:rPr lang="zh-CN" altLang="en-US" sz="2000" b="1">
+                <a:solidFill>
+                  <a:srgbClr val="0070C0"/>
+                </a:solidFill>
+              </a:rPr>
+              <a:t>能力：</a:t>
+            </a:r>
+            <a:endParaRPr lang="zh-CN" altLang="en-US" sz="2000" b="1">
+              <a:solidFill>
+                <a:srgbClr val="0070C0"/>
+              </a:solidFill>
+            </a:endParaRPr>
+          </a:p>
+          <a:p>
+            <a:pPr algn="l">
+              <a:lnSpc>
+                <a:spcPct val="150000"/>
+              </a:lnSpc>
+            </a:pPr>
+            <a:r>
+              <a:rPr lang="zh-CN" altLang="en-US"/>
+              <a:t>        Sketch2Code能够识别简单的组合元素界面（如：注册界面），并产生相应的代码，能够识别出界面正确</a:t>
+            </a:r>
+            <a:endParaRPr lang="zh-CN" altLang="en-US"/>
+          </a:p>
+          <a:p>
+            <a:pPr algn="l">
+              <a:lnSpc>
+                <a:spcPct val="150000"/>
+              </a:lnSpc>
+            </a:pPr>
+            <a:r>
+              <a:rPr lang="zh-CN" altLang="en-US"/>
+              <a:t>的元素，效果和预期比较接近，通过人工修改可以较大程度上还原手绘界面。</a:t>
+            </a:r>
+            <a:endParaRPr lang="zh-CN" altLang="en-US"/>
+          </a:p>
+          <a:p>
+            <a:pPr algn="l">
+              <a:lnSpc>
+                <a:spcPct val="150000"/>
+              </a:lnSpc>
+            </a:pPr>
+            <a:endParaRPr lang="zh-CN" altLang="en-US"/>
+          </a:p>
+          <a:p>
+            <a:pPr algn="l">
+              <a:lnSpc>
+                <a:spcPct val="150000"/>
+              </a:lnSpc>
+            </a:pPr>
+            <a:r>
+              <a:rPr lang="zh-CN" altLang="en-US" sz="2000" b="1">
+                <a:solidFill>
+                  <a:srgbClr val="0070C0"/>
+                </a:solidFill>
+              </a:rPr>
+              <a:t>限制：</a:t>
+            </a:r>
+            <a:endParaRPr lang="zh-CN" altLang="en-US"/>
+          </a:p>
+          <a:p>
+            <a:pPr algn="l">
+              <a:lnSpc>
+                <a:spcPct val="150000"/>
+              </a:lnSpc>
+            </a:pPr>
+            <a:r>
+              <a:rPr lang="zh-CN" altLang="en-US"/>
+              <a:t>       组合界面在细节上识别出现问题，但是元素的相对位置会发生错位，部分元素会识别错误，针对于部分英</a:t>
+            </a:r>
+            <a:endParaRPr lang="zh-CN" altLang="en-US"/>
+          </a:p>
+          <a:p>
+            <a:pPr algn="l">
+              <a:lnSpc>
+                <a:spcPct val="150000"/>
+              </a:lnSpc>
+            </a:pPr>
+            <a:r>
+              <a:rPr lang="zh-CN" altLang="en-US"/>
+              <a:t>文文字也无法识别。</a:t>
+            </a:r>
+            <a:endParaRPr lang="zh-CN" altLang="en-US"/>
           </a:p>
         </p:txBody>
       </p:sp>
@@ -3778,6 +3984,103 @@
           </a:p>
         </p:txBody>
       </p:sp>
+      <p:graphicFrame>
+        <p:nvGraphicFramePr>
+          <p:cNvPr id="3" name="对象 2"/>
+          <p:cNvGraphicFramePr/>
+          <p:nvPr/>
+        </p:nvGraphicFramePr>
+        <p:xfrm>
+          <a:off x="884555" y="1028700"/>
+          <a:ext cx="4652645" cy="3317240"/>
+        </p:xfrm>
+        <a:graphic>
+          <a:graphicData uri="http://schemas.openxmlformats.org/presentationml/2006/ole">
+            <mc:AlternateContent xmlns:mc="http://schemas.openxmlformats.org/markup-compatibility/2006">
+              <mc:Choice xmlns:v="urn:schemas-microsoft-com:vml" Requires="v">
+                <p:oleObj spid="_x0000_s5" name="" r:id="rId1" imgW="3790950" imgH="3314700" progId="Paint.Picture">
+                  <p:embed/>
+                </p:oleObj>
+              </mc:Choice>
+              <mc:Fallback>
+                <p:oleObj name="" r:id="rId1" imgW="3790950" imgH="3314700" progId="Paint.Picture">
+                  <p:embed/>
+                  <p:pic>
+                    <p:nvPicPr>
+                      <p:cNvPr id="0" name="图片 4"/>
+                      <p:cNvPicPr/>
+                      <p:nvPr/>
+                    </p:nvPicPr>
+                    <p:blipFill>
+                      <a:blip r:embed="rId2"/>
+                      <a:stretch>
+                        <a:fillRect/>
+                      </a:stretch>
+                    </p:blipFill>
+                    <p:spPr>
+                      <a:xfrm>
+                        <a:off x="884555" y="1028700"/>
+                        <a:ext cx="4652645" cy="3317240"/>
+                      </a:xfrm>
+                      <a:prstGeom prst="rect">
+                        <a:avLst/>
+                      </a:prstGeom>
+                    </p:spPr>
+                  </p:pic>
+                </p:oleObj>
+              </mc:Fallback>
+            </mc:AlternateContent>
+          </a:graphicData>
+        </a:graphic>
+      </p:graphicFrame>
+      <p:pic>
+        <p:nvPicPr>
+          <p:cNvPr id="6" name="图片 5"/>
+          <p:cNvPicPr>
+            <a:picLocks noChangeAspect="1"/>
+          </p:cNvPicPr>
+          <p:nvPr/>
+        </p:nvPicPr>
+        <p:blipFill>
+          <a:blip r:embed="rId3"/>
+          <a:stretch>
+            <a:fillRect/>
+          </a:stretch>
+        </p:blipFill>
+        <p:spPr>
+          <a:xfrm>
+            <a:off x="884555" y="4345940"/>
+            <a:ext cx="9018905" cy="2171700"/>
+          </a:xfrm>
+          <a:prstGeom prst="rect">
+            <a:avLst/>
+          </a:prstGeom>
+        </p:spPr>
+      </p:pic>
+      <p:pic>
+        <p:nvPicPr>
+          <p:cNvPr id="7" name="图片 6"/>
+          <p:cNvPicPr>
+            <a:picLocks noChangeAspect="1"/>
+          </p:cNvPicPr>
+          <p:nvPr/>
+        </p:nvPicPr>
+        <p:blipFill>
+          <a:blip r:embed="rId4"/>
+          <a:stretch>
+            <a:fillRect/>
+          </a:stretch>
+        </p:blipFill>
+        <p:spPr>
+          <a:xfrm>
+            <a:off x="5537200" y="1028700"/>
+            <a:ext cx="5506720" cy="3317240"/>
+          </a:xfrm>
+          <a:prstGeom prst="rect">
+            <a:avLst/>
+          </a:prstGeom>
+        </p:spPr>
+      </p:pic>
     </p:spTree>
   </p:cSld>
   <p:clrMapOvr>
@@ -3861,6 +4164,104 @@
               <a:rPr lang="zh-CN" altLang="en-US" smtClean="0"/>
             </a:fld>
             <a:endParaRPr lang="zh-CN" altLang="en-US" dirty="0"/>
+          </a:p>
+        </p:txBody>
+      </p:sp>
+      <p:sp>
+        <p:nvSpPr>
+          <p:cNvPr id="3" name="文本框 2"/>
+          <p:cNvSpPr txBox="1"/>
+          <p:nvPr/>
+        </p:nvSpPr>
+        <p:spPr>
+          <a:xfrm>
+            <a:off x="873760" y="1396365"/>
+            <a:ext cx="10977880" cy="2522855"/>
+          </a:xfrm>
+          <a:prstGeom prst="rect">
+            <a:avLst/>
+          </a:prstGeom>
+          <a:noFill/>
+        </p:spPr>
+        <p:txBody>
+          <a:bodyPr wrap="none" rtlCol="0">
+            <a:spAutoFit/>
+          </a:bodyPr>
+          <a:p>
+            <a:pPr algn="l"/>
+            <a:r>
+              <a:rPr lang="zh-CN" altLang="en-US" sz="2000" b="1">
+                <a:solidFill>
+                  <a:srgbClr val="0070C0"/>
+                </a:solidFill>
+              </a:rPr>
+              <a:t>能力：</a:t>
+            </a:r>
+            <a:endParaRPr lang="zh-CN" altLang="en-US" sz="2000" b="1">
+              <a:solidFill>
+                <a:srgbClr val="0070C0"/>
+              </a:solidFill>
+            </a:endParaRPr>
+          </a:p>
+          <a:p>
+            <a:pPr algn="l">
+              <a:lnSpc>
+                <a:spcPct val="150000"/>
+              </a:lnSpc>
+            </a:pPr>
+            <a:r>
+              <a:rPr lang="zh-CN" altLang="en-US"/>
+              <a:t>        Sketch2Code在识别元素重叠的情况下，嵌套在一起的无法识别，但是如果有部分重合是可以识别的。</a:t>
+            </a:r>
+            <a:endParaRPr lang="zh-CN" altLang="en-US"/>
+          </a:p>
+          <a:p>
+            <a:pPr algn="l">
+              <a:lnSpc>
+                <a:spcPct val="150000"/>
+              </a:lnSpc>
+            </a:pPr>
+            <a:endParaRPr lang="zh-CN" altLang="en-US"/>
+          </a:p>
+          <a:p>
+            <a:pPr algn="l">
+              <a:lnSpc>
+                <a:spcPct val="150000"/>
+              </a:lnSpc>
+            </a:pPr>
+            <a:r>
+              <a:rPr lang="zh-CN" altLang="en-US" sz="2000" b="1">
+                <a:solidFill>
+                  <a:srgbClr val="0070C0"/>
+                </a:solidFill>
+              </a:rPr>
+              <a:t>限制：</a:t>
+            </a:r>
+            <a:endParaRPr lang="zh-CN" altLang="en-US"/>
+          </a:p>
+          <a:p>
+            <a:pPr algn="l">
+              <a:lnSpc>
+                <a:spcPct val="150000"/>
+              </a:lnSpc>
+            </a:pPr>
+            <a:r>
+              <a:rPr lang="zh-CN" altLang="en-US"/>
+              <a:t>       Sketch2Code并不能识别全部元素重叠的手绘界面，即使是合理的界面同样无法识别，Sketch2Code只</a:t>
+            </a:r>
+            <a:endParaRPr lang="zh-CN" altLang="en-US"/>
+          </a:p>
+          <a:p>
+            <a:pPr algn="l">
+              <a:lnSpc>
+                <a:spcPct val="150000"/>
+              </a:lnSpc>
+            </a:pPr>
+            <a:r>
+              <a:rPr lang="zh-CN" altLang="en-US"/>
+              <a:t>注重了单个元素和一般组合元素的识别，对重叠组合识别效果较差。</a:t>
+            </a:r>
+            <a:endParaRPr lang="zh-CN" altLang="en-US"/>
           </a:p>
         </p:txBody>
       </p:sp>
@@ -3948,6 +4349,78 @@
           </a:p>
         </p:txBody>
       </p:sp>
+      <p:pic>
+        <p:nvPicPr>
+          <p:cNvPr id="5" name="图片 4"/>
+          <p:cNvPicPr>
+            <a:picLocks noChangeAspect="1"/>
+          </p:cNvPicPr>
+          <p:nvPr/>
+        </p:nvPicPr>
+        <p:blipFill>
+          <a:blip r:embed="rId1"/>
+          <a:stretch>
+            <a:fillRect/>
+          </a:stretch>
+        </p:blipFill>
+        <p:spPr>
+          <a:xfrm>
+            <a:off x="4500880" y="1189990"/>
+            <a:ext cx="7637780" cy="5257165"/>
+          </a:xfrm>
+          <a:prstGeom prst="rect">
+            <a:avLst/>
+          </a:prstGeom>
+        </p:spPr>
+      </p:pic>
+      <p:pic>
+        <p:nvPicPr>
+          <p:cNvPr id="6" name="图片 5"/>
+          <p:cNvPicPr>
+            <a:picLocks noChangeAspect="1"/>
+          </p:cNvPicPr>
+          <p:nvPr/>
+        </p:nvPicPr>
+        <p:blipFill>
+          <a:blip r:embed="rId2"/>
+          <a:stretch>
+            <a:fillRect/>
+          </a:stretch>
+        </p:blipFill>
+        <p:spPr>
+          <a:xfrm>
+            <a:off x="110490" y="1189990"/>
+            <a:ext cx="4390390" cy="2666365"/>
+          </a:xfrm>
+          <a:prstGeom prst="rect">
+            <a:avLst/>
+          </a:prstGeom>
+        </p:spPr>
+      </p:pic>
+      <p:pic>
+        <p:nvPicPr>
+          <p:cNvPr id="7" name="图片 6"/>
+          <p:cNvPicPr>
+            <a:picLocks noChangeAspect="1"/>
+          </p:cNvPicPr>
+          <p:nvPr/>
+        </p:nvPicPr>
+        <p:blipFill>
+          <a:blip r:embed="rId3"/>
+          <a:stretch>
+            <a:fillRect/>
+          </a:stretch>
+        </p:blipFill>
+        <p:spPr>
+          <a:xfrm>
+            <a:off x="162560" y="3885565"/>
+            <a:ext cx="4285615" cy="2561590"/>
+          </a:xfrm>
+          <a:prstGeom prst="rect">
+            <a:avLst/>
+          </a:prstGeom>
+        </p:spPr>
+      </p:pic>
     </p:spTree>
   </p:cSld>
   <p:clrMapOvr>
@@ -4034,6 +4507,104 @@
           </a:p>
         </p:txBody>
       </p:sp>
+      <p:sp>
+        <p:nvSpPr>
+          <p:cNvPr id="3" name="文本框 2"/>
+          <p:cNvSpPr txBox="1"/>
+          <p:nvPr/>
+        </p:nvSpPr>
+        <p:spPr>
+          <a:xfrm>
+            <a:off x="873760" y="1396365"/>
+            <a:ext cx="10457180" cy="2522855"/>
+          </a:xfrm>
+          <a:prstGeom prst="rect">
+            <a:avLst/>
+          </a:prstGeom>
+          <a:noFill/>
+        </p:spPr>
+        <p:txBody>
+          <a:bodyPr wrap="none" rtlCol="0">
+            <a:spAutoFit/>
+          </a:bodyPr>
+          <a:p>
+            <a:pPr algn="l"/>
+            <a:r>
+              <a:rPr lang="zh-CN" altLang="en-US" sz="2000" b="1">
+                <a:solidFill>
+                  <a:srgbClr val="0070C0"/>
+                </a:solidFill>
+              </a:rPr>
+              <a:t>能力：</a:t>
+            </a:r>
+            <a:endParaRPr lang="zh-CN" altLang="en-US" sz="2000" b="1">
+              <a:solidFill>
+                <a:srgbClr val="0070C0"/>
+              </a:solidFill>
+            </a:endParaRPr>
+          </a:p>
+          <a:p>
+            <a:pPr algn="l">
+              <a:lnSpc>
+                <a:spcPct val="150000"/>
+              </a:lnSpc>
+            </a:pPr>
+            <a:r>
+              <a:rPr lang="zh-CN" altLang="en-US"/>
+              <a:t>        Sketch2Code对表格的识别能力较差，表格元素只能被识别成一个一个的lable或者button。</a:t>
+            </a:r>
+            <a:endParaRPr lang="zh-CN" altLang="en-US"/>
+          </a:p>
+          <a:p>
+            <a:pPr algn="l">
+              <a:lnSpc>
+                <a:spcPct val="150000"/>
+              </a:lnSpc>
+            </a:pPr>
+            <a:endParaRPr lang="zh-CN" altLang="en-US"/>
+          </a:p>
+          <a:p>
+            <a:pPr algn="l">
+              <a:lnSpc>
+                <a:spcPct val="150000"/>
+              </a:lnSpc>
+            </a:pPr>
+            <a:r>
+              <a:rPr lang="zh-CN" altLang="en-US" sz="2000" b="1">
+                <a:solidFill>
+                  <a:srgbClr val="0070C0"/>
+                </a:solidFill>
+              </a:rPr>
+              <a:t>限制：</a:t>
+            </a:r>
+            <a:endParaRPr lang="zh-CN" altLang="en-US"/>
+          </a:p>
+          <a:p>
+            <a:pPr algn="l">
+              <a:lnSpc>
+                <a:spcPct val="150000"/>
+              </a:lnSpc>
+            </a:pPr>
+            <a:r>
+              <a:rPr lang="zh-CN" altLang="en-US"/>
+              <a:t>       Sketch2Code可能并没有实现对表格的识别，同时错误的识别会导致内容的混乱，识别一半元素，</a:t>
+            </a:r>
+            <a:endParaRPr lang="zh-CN" altLang="en-US"/>
+          </a:p>
+          <a:p>
+            <a:pPr algn="l">
+              <a:lnSpc>
+                <a:spcPct val="150000"/>
+              </a:lnSpc>
+            </a:pPr>
+            <a:r>
+              <a:rPr lang="zh-CN" altLang="en-US"/>
+              <a:t>同时出现重复，无法区别按钮和标签的区别。</a:t>
+            </a:r>
+            <a:endParaRPr lang="zh-CN" altLang="en-US"/>
+          </a:p>
+        </p:txBody>
+      </p:sp>
     </p:spTree>
   </p:cSld>
   <p:clrMapOvr>
@@ -4111,6 +4682,54 @@
           </a:p>
         </p:txBody>
       </p:sp>
+      <p:pic>
+        <p:nvPicPr>
+          <p:cNvPr id="3" name="图片 2"/>
+          <p:cNvPicPr>
+            <a:picLocks noChangeAspect="1"/>
+          </p:cNvPicPr>
+          <p:nvPr/>
+        </p:nvPicPr>
+        <p:blipFill>
+          <a:blip r:embed="rId1"/>
+          <a:stretch>
+            <a:fillRect/>
+          </a:stretch>
+        </p:blipFill>
+        <p:spPr>
+          <a:xfrm>
+            <a:off x="1191260" y="880745"/>
+            <a:ext cx="9295130" cy="2867025"/>
+          </a:xfrm>
+          <a:prstGeom prst="rect">
+            <a:avLst/>
+          </a:prstGeom>
+        </p:spPr>
+      </p:pic>
+      <p:pic>
+        <p:nvPicPr>
+          <p:cNvPr id="5" name="图片 4"/>
+          <p:cNvPicPr>
+            <a:picLocks noChangeAspect="1"/>
+          </p:cNvPicPr>
+          <p:nvPr/>
+        </p:nvPicPr>
+        <p:blipFill>
+          <a:blip r:embed="rId2"/>
+          <a:stretch>
+            <a:fillRect/>
+          </a:stretch>
+        </p:blipFill>
+        <p:spPr>
+          <a:xfrm>
+            <a:off x="1191260" y="3747770"/>
+            <a:ext cx="8195945" cy="2874010"/>
+          </a:xfrm>
+          <a:prstGeom prst="rect">
+            <a:avLst/>
+          </a:prstGeom>
+        </p:spPr>
+      </p:pic>
     </p:spTree>
   </p:cSld>
   <p:clrMapOvr>
@@ -5148,6 +5767,104 @@
           </a:p>
         </p:txBody>
       </p:sp>
+      <p:sp>
+        <p:nvSpPr>
+          <p:cNvPr id="3" name="文本框 2"/>
+          <p:cNvSpPr txBox="1"/>
+          <p:nvPr/>
+        </p:nvSpPr>
+        <p:spPr>
+          <a:xfrm>
+            <a:off x="873760" y="1396365"/>
+            <a:ext cx="10965180" cy="2522855"/>
+          </a:xfrm>
+          <a:prstGeom prst="rect">
+            <a:avLst/>
+          </a:prstGeom>
+          <a:noFill/>
+        </p:spPr>
+        <p:txBody>
+          <a:bodyPr wrap="none" rtlCol="0">
+            <a:spAutoFit/>
+          </a:bodyPr>
+          <a:p>
+            <a:pPr algn="l"/>
+            <a:r>
+              <a:rPr lang="zh-CN" altLang="en-US" sz="2000" b="1">
+                <a:solidFill>
+                  <a:srgbClr val="0070C0"/>
+                </a:solidFill>
+              </a:rPr>
+              <a:t>能力：</a:t>
+            </a:r>
+            <a:endParaRPr lang="zh-CN" altLang="en-US" sz="2000" b="1">
+              <a:solidFill>
+                <a:srgbClr val="0070C0"/>
+              </a:solidFill>
+            </a:endParaRPr>
+          </a:p>
+          <a:p>
+            <a:pPr algn="l">
+              <a:lnSpc>
+                <a:spcPct val="150000"/>
+              </a:lnSpc>
+            </a:pPr>
+            <a:r>
+              <a:rPr lang="zh-CN" altLang="en-US"/>
+              <a:t>        Sketch2Code可以识别字体相对大小。但是对元素大小排布也是不固定的，</a:t>
+            </a:r>
+            <a:endParaRPr lang="zh-CN" altLang="en-US"/>
+          </a:p>
+          <a:p>
+            <a:pPr algn="l">
+              <a:lnSpc>
+                <a:spcPct val="150000"/>
+              </a:lnSpc>
+            </a:pPr>
+            <a:r>
+              <a:rPr lang="zh-CN" altLang="en-US"/>
+              <a:t>如果某一行只有一个元素（以input）为例则会填充全行，但是如果某一行有很多元素则会进行根据内容分布</a:t>
+            </a:r>
+            <a:endParaRPr lang="zh-CN" altLang="en-US"/>
+          </a:p>
+          <a:p>
+            <a:pPr algn="l">
+              <a:lnSpc>
+                <a:spcPct val="150000"/>
+              </a:lnSpc>
+            </a:pPr>
+            <a:endParaRPr lang="zh-CN" altLang="en-US"/>
+          </a:p>
+          <a:p>
+            <a:pPr algn="l">
+              <a:lnSpc>
+                <a:spcPct val="150000"/>
+              </a:lnSpc>
+            </a:pPr>
+            <a:r>
+              <a:rPr lang="zh-CN" altLang="en-US" sz="2000" b="1">
+                <a:solidFill>
+                  <a:srgbClr val="0070C0"/>
+                </a:solidFill>
+              </a:rPr>
+              <a:t>限制：</a:t>
+            </a:r>
+            <a:endParaRPr lang="zh-CN" altLang="en-US"/>
+          </a:p>
+          <a:p>
+            <a:pPr algn="l">
+              <a:lnSpc>
+                <a:spcPct val="150000"/>
+              </a:lnSpc>
+            </a:pPr>
+            <a:r>
+              <a:rPr lang="zh-CN" altLang="en-US"/>
+              <a:t>       Sketch2Code可以识别字体相对大小，但是对控件相对大小的处理需要加强。</a:t>
+            </a:r>
+            <a:endParaRPr lang="zh-CN" altLang="en-US"/>
+          </a:p>
+        </p:txBody>
+      </p:sp>
     </p:spTree>
   </p:cSld>
   <p:clrMapOvr>
@@ -5232,6 +5949,54 @@
           </a:p>
         </p:txBody>
       </p:sp>
+      <p:pic>
+        <p:nvPicPr>
+          <p:cNvPr id="3" name="图片 2"/>
+          <p:cNvPicPr>
+            <a:picLocks noChangeAspect="1"/>
+          </p:cNvPicPr>
+          <p:nvPr/>
+        </p:nvPicPr>
+        <p:blipFill>
+          <a:blip r:embed="rId1"/>
+          <a:stretch>
+            <a:fillRect/>
+          </a:stretch>
+        </p:blipFill>
+        <p:spPr>
+          <a:xfrm>
+            <a:off x="669925" y="1028700"/>
+            <a:ext cx="6562090" cy="3847465"/>
+          </a:xfrm>
+          <a:prstGeom prst="rect">
+            <a:avLst/>
+          </a:prstGeom>
+        </p:spPr>
+      </p:pic>
+      <p:pic>
+        <p:nvPicPr>
+          <p:cNvPr id="5" name="图片 4"/>
+          <p:cNvPicPr>
+            <a:picLocks noChangeAspect="1"/>
+          </p:cNvPicPr>
+          <p:nvPr/>
+        </p:nvPicPr>
+        <p:blipFill>
+          <a:blip r:embed="rId2"/>
+          <a:stretch>
+            <a:fillRect/>
+          </a:stretch>
+        </p:blipFill>
+        <p:spPr>
+          <a:xfrm>
+            <a:off x="7522210" y="995680"/>
+            <a:ext cx="3876040" cy="4866640"/>
+          </a:xfrm>
+          <a:prstGeom prst="rect">
+            <a:avLst/>
+          </a:prstGeom>
+        </p:spPr>
+      </p:pic>
     </p:spTree>
   </p:cSld>
   <p:clrMapOvr>
@@ -5315,6 +6080,92 @@
               <a:rPr lang="zh-CN" altLang="en-US" smtClean="0"/>
             </a:fld>
             <a:endParaRPr lang="zh-CN" altLang="en-US" dirty="0"/>
+          </a:p>
+        </p:txBody>
+      </p:sp>
+      <p:sp>
+        <p:nvSpPr>
+          <p:cNvPr id="3" name="文本框 2"/>
+          <p:cNvSpPr txBox="1"/>
+          <p:nvPr/>
+        </p:nvSpPr>
+        <p:spPr>
+          <a:xfrm>
+            <a:off x="873760" y="1396365"/>
+            <a:ext cx="10622280" cy="2106930"/>
+          </a:xfrm>
+          <a:prstGeom prst="rect">
+            <a:avLst/>
+          </a:prstGeom>
+          <a:noFill/>
+        </p:spPr>
+        <p:txBody>
+          <a:bodyPr wrap="none" rtlCol="0">
+            <a:spAutoFit/>
+          </a:bodyPr>
+          <a:p>
+            <a:pPr algn="l"/>
+            <a:r>
+              <a:rPr lang="zh-CN" altLang="en-US" sz="2000" b="1">
+                <a:solidFill>
+                  <a:srgbClr val="0070C0"/>
+                </a:solidFill>
+              </a:rPr>
+              <a:t>能力：</a:t>
+            </a:r>
+            <a:endParaRPr lang="zh-CN" altLang="en-US" sz="2000" b="1">
+              <a:solidFill>
+                <a:srgbClr val="0070C0"/>
+              </a:solidFill>
+            </a:endParaRPr>
+          </a:p>
+          <a:p>
+            <a:pPr algn="l">
+              <a:lnSpc>
+                <a:spcPct val="150000"/>
+              </a:lnSpc>
+            </a:pPr>
+            <a:r>
+              <a:rPr lang="zh-CN" altLang="en-US"/>
+              <a:t>       Sketch2Code对于标签之间整体位置识别较好，相对位置较准确。</a:t>
+            </a:r>
+            <a:endParaRPr lang="zh-CN" altLang="en-US"/>
+          </a:p>
+          <a:p>
+            <a:pPr algn="l">
+              <a:lnSpc>
+                <a:spcPct val="150000"/>
+              </a:lnSpc>
+            </a:pPr>
+            <a:endParaRPr lang="zh-CN" altLang="en-US"/>
+          </a:p>
+          <a:p>
+            <a:pPr algn="l">
+              <a:lnSpc>
+                <a:spcPct val="150000"/>
+              </a:lnSpc>
+            </a:pPr>
+            <a:r>
+              <a:rPr lang="zh-CN" altLang="en-US" sz="2000" b="1">
+                <a:solidFill>
+                  <a:srgbClr val="0070C0"/>
+                </a:solidFill>
+              </a:rPr>
+              <a:t>限制：</a:t>
+            </a:r>
+            <a:endParaRPr lang="zh-CN" altLang="en-US"/>
+          </a:p>
+          <a:p>
+            <a:pPr algn="l">
+              <a:lnSpc>
+                <a:spcPct val="150000"/>
+              </a:lnSpc>
+            </a:pPr>
+            <a:r>
+              <a:rPr lang="zh-CN" altLang="en-US"/>
+              <a:t>      Sketch2Code无法识别标签相对位置，需要加强，尤其对于两个标签之间前后左右的识别有待改善。</a:t>
+            </a:r>
+            <a:endParaRPr lang="zh-CN" altLang="en-US"/>
           </a:p>
         </p:txBody>
       </p:sp>
@@ -26695,7 +27546,7 @@
             </a:r>
             <a:r>
               <a:rPr lang="zh-CN" altLang="en-US">
-                <a:hlinkClick r:id="rId1" tooltip="" action="ppaction://hlinkfile"/>
+                <a:hlinkClick r:id="rId1" action="ppaction://hlinkfile"/>
               </a:rPr>
               <a:t>https://sketch2code.azurewebsites.net/</a:t>
             </a:r>
@@ -26730,7 +27581,7 @@
           <a:p>
             <a:r>
               <a:rPr lang="zh-CN" altLang="en-US" sz="2000">
-                <a:hlinkClick r:id="rId2" tooltip="" action="ppaction://hlinkfile"/>
+                <a:hlinkClick r:id="rId2" action="ppaction://hlinkfile"/>
               </a:rPr>
               <a:t>https://github.com/MSE-925</a:t>
             </a:r>
@@ -37007,7 +37858,7 @@
               </a:r>
               <a:r>
                 <a:rPr lang="zh-CN" altLang="zh-CN" sz="1600" dirty="0">
-                  <a:hlinkClick r:id="rId2" tooltip="" action="ppaction://hlinkfile"/>
+                  <a:hlinkClick r:id="rId2" action="ppaction://hlinkfile"/>
                 </a:rPr>
                 <a:t>https://github.com/MSE-925/Sketch2codeTest</a:t>
               </a:r>
@@ -37120,7 +37971,7 @@
             </a:r>
             <a:r>
               <a:rPr lang="zh-CN" altLang="en-US" sz="1600" dirty="0">
-                <a:hlinkClick r:id="rId3" tooltip="" action="ppaction://hlinkfile"/>
+                <a:hlinkClick r:id="rId3" action="ppaction://hlinkfile"/>
               </a:rPr>
               <a:t>https://github.com/MSE-925/img-storage</a:t>
             </a:r>
@@ -37340,7 +38191,7 @@
             </a:r>
             <a:r>
               <a:rPr lang="zh-CN" altLang="en-US" sz="1600" dirty="0">
-                <a:hlinkClick r:id="rId5" tooltip="" action="ppaction://hlinkfile"/>
+                <a:hlinkClick r:id="rId5" action="ppaction://hlinkfile"/>
               </a:rPr>
               <a:t>https://github.com/MSE-925/SE-chapter16</a:t>
             </a:r>
